--- a/Bellevue University/Courses/DSC640/Week9and10/DSC640 Weekly Assignment-Week9and10-EdrisSafari.pptx
+++ b/Bellevue University/Courses/DSC640/Week9and10/DSC640 Weekly Assignment-Week9and10-EdrisSafari.pptx
@@ -268,7 +268,7 @@
           <a:p>
             <a:fld id="{8D9B3238-6D88-4B27-8079-4573EACB5955}" type="datetimeFigureOut">
               <a:rPr lang="en-US" smtClean="0"/>
-              <a:t>10/17/2022</a:t>
+              <a:t>10/31/2022</a:t>
             </a:fld>
             <a:endParaRPr lang="en-US"/>
           </a:p>
@@ -466,7 +466,7 @@
           <a:p>
             <a:fld id="{8D9B3238-6D88-4B27-8079-4573EACB5955}" type="datetimeFigureOut">
               <a:rPr lang="en-US" smtClean="0"/>
-              <a:t>10/17/2022</a:t>
+              <a:t>10/31/2022</a:t>
             </a:fld>
             <a:endParaRPr lang="en-US"/>
           </a:p>
@@ -674,7 +674,7 @@
           <a:p>
             <a:fld id="{8D9B3238-6D88-4B27-8079-4573EACB5955}" type="datetimeFigureOut">
               <a:rPr lang="en-US" smtClean="0"/>
-              <a:t>10/17/2022</a:t>
+              <a:t>10/31/2022</a:t>
             </a:fld>
             <a:endParaRPr lang="en-US"/>
           </a:p>
@@ -872,7 +872,7 @@
           <a:p>
             <a:fld id="{8D9B3238-6D88-4B27-8079-4573EACB5955}" type="datetimeFigureOut">
               <a:rPr lang="en-US" smtClean="0"/>
-              <a:t>10/17/2022</a:t>
+              <a:t>10/31/2022</a:t>
             </a:fld>
             <a:endParaRPr lang="en-US"/>
           </a:p>
@@ -1147,7 +1147,7 @@
           <a:p>
             <a:fld id="{8D9B3238-6D88-4B27-8079-4573EACB5955}" type="datetimeFigureOut">
               <a:rPr lang="en-US" smtClean="0"/>
-              <a:t>10/17/2022</a:t>
+              <a:t>10/31/2022</a:t>
             </a:fld>
             <a:endParaRPr lang="en-US"/>
           </a:p>
@@ -1412,7 +1412,7 @@
           <a:p>
             <a:fld id="{8D9B3238-6D88-4B27-8079-4573EACB5955}" type="datetimeFigureOut">
               <a:rPr lang="en-US" smtClean="0"/>
-              <a:t>10/17/2022</a:t>
+              <a:t>10/31/2022</a:t>
             </a:fld>
             <a:endParaRPr lang="en-US"/>
           </a:p>
@@ -1824,7 +1824,7 @@
           <a:p>
             <a:fld id="{8D9B3238-6D88-4B27-8079-4573EACB5955}" type="datetimeFigureOut">
               <a:rPr lang="en-US" smtClean="0"/>
-              <a:t>10/17/2022</a:t>
+              <a:t>10/31/2022</a:t>
             </a:fld>
             <a:endParaRPr lang="en-US"/>
           </a:p>
@@ -1965,7 +1965,7 @@
           <a:p>
             <a:fld id="{8D9B3238-6D88-4B27-8079-4573EACB5955}" type="datetimeFigureOut">
               <a:rPr lang="en-US" smtClean="0"/>
-              <a:t>10/17/2022</a:t>
+              <a:t>10/31/2022</a:t>
             </a:fld>
             <a:endParaRPr lang="en-US"/>
           </a:p>
@@ -2078,7 +2078,7 @@
           <a:p>
             <a:fld id="{8D9B3238-6D88-4B27-8079-4573EACB5955}" type="datetimeFigureOut">
               <a:rPr lang="en-US" smtClean="0"/>
-              <a:t>10/17/2022</a:t>
+              <a:t>10/31/2022</a:t>
             </a:fld>
             <a:endParaRPr lang="en-US"/>
           </a:p>
@@ -2389,7 +2389,7 @@
           <a:p>
             <a:fld id="{8D9B3238-6D88-4B27-8079-4573EACB5955}" type="datetimeFigureOut">
               <a:rPr lang="en-US" smtClean="0"/>
-              <a:t>10/17/2022</a:t>
+              <a:t>10/31/2022</a:t>
             </a:fld>
             <a:endParaRPr lang="en-US"/>
           </a:p>
@@ -2677,7 +2677,7 @@
           <a:p>
             <a:fld id="{8D9B3238-6D88-4B27-8079-4573EACB5955}" type="datetimeFigureOut">
               <a:rPr lang="en-US" smtClean="0"/>
-              <a:t>10/17/2022</a:t>
+              <a:t>10/31/2022</a:t>
             </a:fld>
             <a:endParaRPr lang="en-US"/>
           </a:p>
@@ -2918,7 +2918,7 @@
           <a:p>
             <a:fld id="{8D9B3238-6D88-4B27-8079-4573EACB5955}" type="datetimeFigureOut">
               <a:rPr lang="en-US" smtClean="0"/>
-              <a:t>10/17/2022</a:t>
+              <a:t>10/31/2022</a:t>
             </a:fld>
             <a:endParaRPr lang="en-US"/>
           </a:p>
@@ -3620,6 +3620,36 @@
           </a:p>
         </p:txBody>
       </p:sp>
+      <p:pic>
+        <p:nvPicPr>
+          <p:cNvPr id="4" name="Picture 3">
+            <a:extLst>
+              <a:ext uri="{FF2B5EF4-FFF2-40B4-BE49-F238E27FC236}">
+                <a16:creationId xmlns:a16="http://schemas.microsoft.com/office/drawing/2014/main" id="{5A7807A6-F6B7-1579-31D6-85824A0F5E5A}"/>
+              </a:ext>
+            </a:extLst>
+          </p:cNvPr>
+          <p:cNvPicPr>
+            <a:picLocks noChangeAspect="1"/>
+          </p:cNvPicPr>
+          <p:nvPr/>
+        </p:nvPicPr>
+        <p:blipFill>
+          <a:blip r:embed="rId2"/>
+          <a:stretch>
+            <a:fillRect/>
+          </a:stretch>
+        </p:blipFill>
+        <p:spPr>
+          <a:xfrm>
+            <a:off x="3809063" y="997117"/>
+            <a:ext cx="7742857" cy="5114286"/>
+          </a:xfrm>
+          <a:prstGeom prst="rect">
+            <a:avLst/>
+          </a:prstGeom>
+        </p:spPr>
+      </p:pic>
     </p:spTree>
     <p:extLst>
       <p:ext uri="{BB962C8B-B14F-4D97-AF65-F5344CB8AC3E}">
@@ -3849,6 +3879,36 @@
           </a:p>
         </p:txBody>
       </p:sp>
+      <p:pic>
+        <p:nvPicPr>
+          <p:cNvPr id="4" name="Picture 3">
+            <a:extLst>
+              <a:ext uri="{FF2B5EF4-FFF2-40B4-BE49-F238E27FC236}">
+                <a16:creationId xmlns:a16="http://schemas.microsoft.com/office/drawing/2014/main" id="{BF8440EA-8B5A-B1B5-E4E1-28A45A1590B4}"/>
+              </a:ext>
+            </a:extLst>
+          </p:cNvPr>
+          <p:cNvPicPr>
+            <a:picLocks noChangeAspect="1"/>
+          </p:cNvPicPr>
+          <p:nvPr/>
+        </p:nvPicPr>
+        <p:blipFill>
+          <a:blip r:embed="rId2"/>
+          <a:stretch>
+            <a:fillRect/>
+          </a:stretch>
+        </p:blipFill>
+        <p:spPr>
+          <a:xfrm>
+            <a:off x="3481162" y="1782146"/>
+            <a:ext cx="8868947" cy="3514675"/>
+          </a:xfrm>
+          <a:prstGeom prst="rect">
+            <a:avLst/>
+          </a:prstGeom>
+        </p:spPr>
+      </p:pic>
     </p:spTree>
     <p:extLst>
       <p:ext uri="{BB962C8B-B14F-4D97-AF65-F5344CB8AC3E}">
@@ -4094,6 +4154,36 @@
           </a:p>
         </p:txBody>
       </p:sp>
+      <p:pic>
+        <p:nvPicPr>
+          <p:cNvPr id="4" name="Picture 3">
+            <a:extLst>
+              <a:ext uri="{FF2B5EF4-FFF2-40B4-BE49-F238E27FC236}">
+                <a16:creationId xmlns:a16="http://schemas.microsoft.com/office/drawing/2014/main" id="{AAC5A624-DBF2-80AE-C606-9B4C43DB843F}"/>
+              </a:ext>
+            </a:extLst>
+          </p:cNvPr>
+          <p:cNvPicPr>
+            <a:picLocks noChangeAspect="1"/>
+          </p:cNvPicPr>
+          <p:nvPr/>
+        </p:nvPicPr>
+        <p:blipFill>
+          <a:blip r:embed="rId2"/>
+          <a:stretch>
+            <a:fillRect/>
+          </a:stretch>
+        </p:blipFill>
+        <p:spPr>
+          <a:xfrm>
+            <a:off x="3623377" y="1115470"/>
+            <a:ext cx="8401609" cy="4852653"/>
+          </a:xfrm>
+          <a:prstGeom prst="rect">
+            <a:avLst/>
+          </a:prstGeom>
+        </p:spPr>
+      </p:pic>
     </p:spTree>
     <p:extLst>
       <p:ext uri="{BB962C8B-B14F-4D97-AF65-F5344CB8AC3E}">
@@ -4318,11 +4408,41 @@
                 <a:ea typeface="+mj-ea"/>
                 <a:cs typeface="+mj-cs"/>
               </a:rPr>
-              <a:t> Contour</a:t>
-            </a:r>
-          </a:p>
-        </p:txBody>
-      </p:sp>
+              <a:t> Violin</a:t>
+            </a:r>
+          </a:p>
+        </p:txBody>
+      </p:sp>
+      <p:pic>
+        <p:nvPicPr>
+          <p:cNvPr id="4" name="Picture 3">
+            <a:extLst>
+              <a:ext uri="{FF2B5EF4-FFF2-40B4-BE49-F238E27FC236}">
+                <a16:creationId xmlns:a16="http://schemas.microsoft.com/office/drawing/2014/main" id="{08171C3E-A402-2A45-468C-F729C2E98FE1}"/>
+              </a:ext>
+            </a:extLst>
+          </p:cNvPr>
+          <p:cNvPicPr>
+            <a:picLocks noChangeAspect="1"/>
+          </p:cNvPicPr>
+          <p:nvPr/>
+        </p:nvPicPr>
+        <p:blipFill>
+          <a:blip r:embed="rId2"/>
+          <a:stretch>
+            <a:fillRect/>
+          </a:stretch>
+        </p:blipFill>
+        <p:spPr>
+          <a:xfrm>
+            <a:off x="3514673" y="826718"/>
+            <a:ext cx="8639749" cy="5020490"/>
+          </a:xfrm>
+          <a:prstGeom prst="rect">
+            <a:avLst/>
+          </a:prstGeom>
+        </p:spPr>
+      </p:pic>
     </p:spTree>
     <p:extLst>
       <p:ext uri="{BB962C8B-B14F-4D97-AF65-F5344CB8AC3E}">
@@ -4541,6 +4661,36 @@
           </a:p>
         </p:txBody>
       </p:sp>
+      <p:pic>
+        <p:nvPicPr>
+          <p:cNvPr id="4" name="Picture 3">
+            <a:extLst>
+              <a:ext uri="{FF2B5EF4-FFF2-40B4-BE49-F238E27FC236}">
+                <a16:creationId xmlns:a16="http://schemas.microsoft.com/office/drawing/2014/main" id="{524AFD45-04C4-39F1-8F2D-CC0B43B92F72}"/>
+              </a:ext>
+            </a:extLst>
+          </p:cNvPr>
+          <p:cNvPicPr>
+            <a:picLocks noChangeAspect="1"/>
+          </p:cNvPicPr>
+          <p:nvPr/>
+        </p:nvPicPr>
+        <p:blipFill>
+          <a:blip r:embed="rId2"/>
+          <a:stretch>
+            <a:fillRect/>
+          </a:stretch>
+        </p:blipFill>
+        <p:spPr>
+          <a:xfrm>
+            <a:off x="3500907" y="453338"/>
+            <a:ext cx="8582620" cy="5951323"/>
+          </a:xfrm>
+          <a:prstGeom prst="rect">
+            <a:avLst/>
+          </a:prstGeom>
+        </p:spPr>
+      </p:pic>
     </p:spTree>
     <p:extLst>
       <p:ext uri="{BB962C8B-B14F-4D97-AF65-F5344CB8AC3E}">
@@ -4775,6 +4925,36 @@
           </a:p>
         </p:txBody>
       </p:sp>
+      <p:pic>
+        <p:nvPicPr>
+          <p:cNvPr id="4" name="Picture 3">
+            <a:extLst>
+              <a:ext uri="{FF2B5EF4-FFF2-40B4-BE49-F238E27FC236}">
+                <a16:creationId xmlns:a16="http://schemas.microsoft.com/office/drawing/2014/main" id="{47B4E39D-3C4C-4D69-CE6E-100DA2D53977}"/>
+              </a:ext>
+            </a:extLst>
+          </p:cNvPr>
+          <p:cNvPicPr>
+            <a:picLocks noChangeAspect="1"/>
+          </p:cNvPicPr>
+          <p:nvPr/>
+        </p:nvPicPr>
+        <p:blipFill>
+          <a:blip r:embed="rId2"/>
+          <a:stretch>
+            <a:fillRect/>
+          </a:stretch>
+        </p:blipFill>
+        <p:spPr>
+          <a:xfrm>
+            <a:off x="3525872" y="1360578"/>
+            <a:ext cx="8192284" cy="4136844"/>
+          </a:xfrm>
+          <a:prstGeom prst="rect">
+            <a:avLst/>
+          </a:prstGeom>
+        </p:spPr>
+      </p:pic>
     </p:spTree>
     <p:extLst>
       <p:ext uri="{BB962C8B-B14F-4D97-AF65-F5344CB8AC3E}">
@@ -4993,6 +5173,36 @@
           </a:p>
         </p:txBody>
       </p:sp>
+      <p:pic>
+        <p:nvPicPr>
+          <p:cNvPr id="6" name="Picture 5">
+            <a:extLst>
+              <a:ext uri="{FF2B5EF4-FFF2-40B4-BE49-F238E27FC236}">
+                <a16:creationId xmlns:a16="http://schemas.microsoft.com/office/drawing/2014/main" id="{EDEB750A-4980-5EBC-5B4C-AB49A8CBBDF3}"/>
+              </a:ext>
+            </a:extLst>
+          </p:cNvPr>
+          <p:cNvPicPr>
+            <a:picLocks noChangeAspect="1"/>
+          </p:cNvPicPr>
+          <p:nvPr/>
+        </p:nvPicPr>
+        <p:blipFill>
+          <a:blip r:embed="rId2"/>
+          <a:stretch>
+            <a:fillRect/>
+          </a:stretch>
+        </p:blipFill>
+        <p:spPr>
+          <a:xfrm>
+            <a:off x="4155131" y="1186560"/>
+            <a:ext cx="7514286" cy="4885714"/>
+          </a:xfrm>
+          <a:prstGeom prst="rect">
+            <a:avLst/>
+          </a:prstGeom>
+        </p:spPr>
+      </p:pic>
     </p:spTree>
     <p:extLst>
       <p:ext uri="{BB962C8B-B14F-4D97-AF65-F5344CB8AC3E}">
@@ -5211,6 +5421,36 @@
           </a:p>
         </p:txBody>
       </p:sp>
+      <p:pic>
+        <p:nvPicPr>
+          <p:cNvPr id="4" name="Picture 3">
+            <a:extLst>
+              <a:ext uri="{FF2B5EF4-FFF2-40B4-BE49-F238E27FC236}">
+                <a16:creationId xmlns:a16="http://schemas.microsoft.com/office/drawing/2014/main" id="{C3FB9EFE-6E4C-EEA6-2F1E-2372A8F479E6}"/>
+              </a:ext>
+            </a:extLst>
+          </p:cNvPr>
+          <p:cNvPicPr>
+            <a:picLocks noChangeAspect="1"/>
+          </p:cNvPicPr>
+          <p:nvPr/>
+        </p:nvPicPr>
+        <p:blipFill>
+          <a:blip r:embed="rId2"/>
+          <a:stretch>
+            <a:fillRect/>
+          </a:stretch>
+        </p:blipFill>
+        <p:spPr>
+          <a:xfrm>
+            <a:off x="5475321" y="1348155"/>
+            <a:ext cx="5400000" cy="4838095"/>
+          </a:xfrm>
+          <a:prstGeom prst="rect">
+            <a:avLst/>
+          </a:prstGeom>
+        </p:spPr>
+      </p:pic>
     </p:spTree>
     <p:extLst>
       <p:ext uri="{BB962C8B-B14F-4D97-AF65-F5344CB8AC3E}">
@@ -5445,6 +5685,36 @@
           </a:p>
         </p:txBody>
       </p:sp>
+      <p:pic>
+        <p:nvPicPr>
+          <p:cNvPr id="4" name="Picture 3">
+            <a:extLst>
+              <a:ext uri="{FF2B5EF4-FFF2-40B4-BE49-F238E27FC236}">
+                <a16:creationId xmlns:a16="http://schemas.microsoft.com/office/drawing/2014/main" id="{29E22C27-49FB-A0A3-5606-08BE93478C4F}"/>
+              </a:ext>
+            </a:extLst>
+          </p:cNvPr>
+          <p:cNvPicPr>
+            <a:picLocks noChangeAspect="1"/>
+          </p:cNvPicPr>
+          <p:nvPr/>
+        </p:nvPicPr>
+        <p:blipFill>
+          <a:blip r:embed="rId2"/>
+          <a:stretch>
+            <a:fillRect/>
+          </a:stretch>
+        </p:blipFill>
+        <p:spPr>
+          <a:xfrm>
+            <a:off x="3913094" y="1494116"/>
+            <a:ext cx="7800000" cy="4095238"/>
+          </a:xfrm>
+          <a:prstGeom prst="rect">
+            <a:avLst/>
+          </a:prstGeom>
+        </p:spPr>
+      </p:pic>
     </p:spTree>
     <p:extLst>
       <p:ext uri="{BB962C8B-B14F-4D97-AF65-F5344CB8AC3E}">
